--- a/DH操作説明 1.pptx
+++ b/DH操作説明 1.pptx
@@ -259,7 +259,7 @@
           <a:p>
             <a:fld id="{295914E5-CFCE-4A37-B3AB-261DCECED5F4}" type="datetimeFigureOut">
               <a:rPr kumimoji="1" lang="ja-JP" altLang="en-US" smtClean="0"/>
-              <a:t>2024/3/13</a:t>
+              <a:t>2024/3/14</a:t>
             </a:fld>
             <a:endParaRPr kumimoji="1" lang="ja-JP" altLang="en-US"/>
           </a:p>
@@ -489,7 +489,7 @@
           <a:p>
             <a:fld id="{295914E5-CFCE-4A37-B3AB-261DCECED5F4}" type="datetimeFigureOut">
               <a:rPr kumimoji="1" lang="ja-JP" altLang="en-US" smtClean="0"/>
-              <a:t>2024/3/13</a:t>
+              <a:t>2024/3/14</a:t>
             </a:fld>
             <a:endParaRPr kumimoji="1" lang="ja-JP" altLang="en-US"/>
           </a:p>
@@ -729,7 +729,7 @@
           <a:p>
             <a:fld id="{295914E5-CFCE-4A37-B3AB-261DCECED5F4}" type="datetimeFigureOut">
               <a:rPr kumimoji="1" lang="ja-JP" altLang="en-US" smtClean="0"/>
-              <a:t>2024/3/13</a:t>
+              <a:t>2024/3/14</a:t>
             </a:fld>
             <a:endParaRPr kumimoji="1" lang="ja-JP" altLang="en-US"/>
           </a:p>
@@ -959,7 +959,7 @@
           <a:p>
             <a:fld id="{295914E5-CFCE-4A37-B3AB-261DCECED5F4}" type="datetimeFigureOut">
               <a:rPr kumimoji="1" lang="ja-JP" altLang="en-US" smtClean="0"/>
-              <a:t>2024/3/13</a:t>
+              <a:t>2024/3/14</a:t>
             </a:fld>
             <a:endParaRPr kumimoji="1" lang="ja-JP" altLang="en-US"/>
           </a:p>
@@ -1234,7 +1234,7 @@
           <a:p>
             <a:fld id="{295914E5-CFCE-4A37-B3AB-261DCECED5F4}" type="datetimeFigureOut">
               <a:rPr kumimoji="1" lang="ja-JP" altLang="en-US" smtClean="0"/>
-              <a:t>2024/3/13</a:t>
+              <a:t>2024/3/14</a:t>
             </a:fld>
             <a:endParaRPr kumimoji="1" lang="ja-JP" altLang="en-US"/>
           </a:p>
@@ -1563,7 +1563,7 @@
           <a:p>
             <a:fld id="{295914E5-CFCE-4A37-B3AB-261DCECED5F4}" type="datetimeFigureOut">
               <a:rPr kumimoji="1" lang="ja-JP" altLang="en-US" smtClean="0"/>
-              <a:t>2024/3/13</a:t>
+              <a:t>2024/3/14</a:t>
             </a:fld>
             <a:endParaRPr kumimoji="1" lang="ja-JP" altLang="en-US"/>
           </a:p>
@@ -2039,7 +2039,7 @@
           <a:p>
             <a:fld id="{295914E5-CFCE-4A37-B3AB-261DCECED5F4}" type="datetimeFigureOut">
               <a:rPr kumimoji="1" lang="ja-JP" altLang="en-US" smtClean="0"/>
-              <a:t>2024/3/13</a:t>
+              <a:t>2024/3/14</a:t>
             </a:fld>
             <a:endParaRPr kumimoji="1" lang="ja-JP" altLang="en-US"/>
           </a:p>
@@ -2180,7 +2180,7 @@
           <a:p>
             <a:fld id="{295914E5-CFCE-4A37-B3AB-261DCECED5F4}" type="datetimeFigureOut">
               <a:rPr kumimoji="1" lang="ja-JP" altLang="en-US" smtClean="0"/>
-              <a:t>2024/3/13</a:t>
+              <a:t>2024/3/14</a:t>
             </a:fld>
             <a:endParaRPr kumimoji="1" lang="ja-JP" altLang="en-US"/>
           </a:p>
@@ -2293,7 +2293,7 @@
           <a:p>
             <a:fld id="{295914E5-CFCE-4A37-B3AB-261DCECED5F4}" type="datetimeFigureOut">
               <a:rPr kumimoji="1" lang="ja-JP" altLang="en-US" smtClean="0"/>
-              <a:t>2024/3/13</a:t>
+              <a:t>2024/3/14</a:t>
             </a:fld>
             <a:endParaRPr kumimoji="1" lang="ja-JP" altLang="en-US"/>
           </a:p>
@@ -2636,7 +2636,7 @@
           <a:p>
             <a:fld id="{295914E5-CFCE-4A37-B3AB-261DCECED5F4}" type="datetimeFigureOut">
               <a:rPr kumimoji="1" lang="ja-JP" altLang="en-US" smtClean="0"/>
-              <a:t>2024/3/13</a:t>
+              <a:t>2024/3/14</a:t>
             </a:fld>
             <a:endParaRPr kumimoji="1" lang="ja-JP" altLang="en-US"/>
           </a:p>
@@ -2924,7 +2924,7 @@
           <a:p>
             <a:fld id="{295914E5-CFCE-4A37-B3AB-261DCECED5F4}" type="datetimeFigureOut">
               <a:rPr kumimoji="1" lang="ja-JP" altLang="en-US" smtClean="0"/>
-              <a:t>2024/3/13</a:t>
+              <a:t>2024/3/14</a:t>
             </a:fld>
             <a:endParaRPr kumimoji="1" lang="ja-JP" altLang="en-US"/>
           </a:p>
@@ -3197,7 +3197,7 @@
           <a:p>
             <a:fld id="{295914E5-CFCE-4A37-B3AB-261DCECED5F4}" type="datetimeFigureOut">
               <a:rPr kumimoji="1" lang="ja-JP" altLang="en-US" smtClean="0"/>
-              <a:t>2024/3/13</a:t>
+              <a:t>2024/3/14</a:t>
             </a:fld>
             <a:endParaRPr kumimoji="1" lang="ja-JP" altLang="en-US"/>
           </a:p>
@@ -3642,7 +3642,7 @@
         </p:blipFill>
         <p:spPr>
           <a:xfrm>
-            <a:off x="1" y="0"/>
+            <a:off x="1" y="-6350"/>
             <a:ext cx="12192000" cy="6858000"/>
           </a:xfrm>
           <a:prstGeom prst="rect">
@@ -3700,7 +3700,7 @@
         </p:nvSpPr>
         <p:spPr>
           <a:xfrm>
-            <a:off x="7818369" y="188901"/>
+            <a:off x="7828417" y="38176"/>
             <a:ext cx="2646878" cy="830997"/>
           </a:xfrm>
           <a:prstGeom prst="rect">
@@ -3760,7 +3760,7 @@
         </p:blipFill>
         <p:spPr>
           <a:xfrm>
-            <a:off x="1193098" y="2631166"/>
+            <a:off x="912640" y="1750606"/>
             <a:ext cx="3375736" cy="987449"/>
           </a:xfrm>
           <a:prstGeom prst="rect">
@@ -3796,7 +3796,7 @@
         </p:blipFill>
         <p:spPr>
           <a:xfrm>
-            <a:off x="1077353" y="3812534"/>
+            <a:off x="796895" y="2931974"/>
             <a:ext cx="3607227" cy="2591963"/>
           </a:xfrm>
           <a:prstGeom prst="rect">
@@ -3821,8 +3821,8 @@
         </p:nvCxnSpPr>
         <p:spPr>
           <a:xfrm flipH="1" flipV="1">
-            <a:off x="1080409" y="4269912"/>
-            <a:ext cx="796031" cy="321161"/>
+            <a:off x="973381" y="3339077"/>
+            <a:ext cx="645464" cy="366749"/>
           </a:xfrm>
           <a:prstGeom prst="line">
             <a:avLst/>
@@ -3857,7 +3857,7 @@
         </p:nvSpPr>
         <p:spPr>
           <a:xfrm>
-            <a:off x="382782" y="4069857"/>
+            <a:off x="275754" y="3139022"/>
             <a:ext cx="697627" cy="400110"/>
           </a:xfrm>
           <a:prstGeom prst="rect">
@@ -3866,7 +3866,7 @@
           <a:noFill/>
         </p:spPr>
         <p:txBody>
-          <a:bodyPr wrap="none" rtlCol="0">
+          <a:bodyPr wrap="square" rtlCol="0">
             <a:spAutoFit/>
           </a:bodyPr>
           <a:lstStyle/>
@@ -3898,8 +3898,8 @@
         </p:nvCxnSpPr>
         <p:spPr>
           <a:xfrm flipH="1">
-            <a:off x="1037127" y="5214625"/>
-            <a:ext cx="1370793" cy="93946"/>
+            <a:off x="1067157" y="4320791"/>
+            <a:ext cx="1095691" cy="1528651"/>
           </a:xfrm>
           <a:prstGeom prst="line">
             <a:avLst/>
@@ -3934,7 +3934,7 @@
         </p:nvSpPr>
         <p:spPr>
           <a:xfrm>
-            <a:off x="124698" y="5108516"/>
+            <a:off x="154728" y="5649387"/>
             <a:ext cx="912429" cy="400110"/>
           </a:xfrm>
           <a:prstGeom prst="rect">
@@ -3943,7 +3943,7 @@
           <a:noFill/>
         </p:spPr>
         <p:txBody>
-          <a:bodyPr wrap="none" rtlCol="0">
+          <a:bodyPr wrap="square" rtlCol="0">
             <a:spAutoFit/>
           </a:bodyPr>
           <a:lstStyle/>
@@ -3960,7 +3960,7 @@
                 <a:latin typeface="HGP創英角ｺﾞｼｯｸUB" panose="020B0900000000000000" pitchFamily="50" charset="-128"/>
                 <a:ea typeface="HGP創英角ｺﾞｼｯｸUB" panose="020B0900000000000000" pitchFamily="50" charset="-128"/>
               </a:rPr>
-              <a:t>移動</a:t>
+              <a:t>操作</a:t>
             </a:r>
           </a:p>
         </p:txBody>
@@ -3982,8 +3982,8 @@
         </p:nvCxnSpPr>
         <p:spPr>
           <a:xfrm flipH="1" flipV="1">
-            <a:off x="3353085" y="5214625"/>
-            <a:ext cx="1633570" cy="1159880"/>
+            <a:off x="3065122" y="4353989"/>
+            <a:ext cx="1649302" cy="1325441"/>
           </a:xfrm>
           <a:prstGeom prst="line">
             <a:avLst/>
@@ -4018,7 +4018,7 @@
         </p:nvSpPr>
         <p:spPr>
           <a:xfrm>
-            <a:off x="4986655" y="6174450"/>
+            <a:off x="4714424" y="5479375"/>
             <a:ext cx="1317466" cy="400110"/>
           </a:xfrm>
           <a:prstGeom prst="rect">
@@ -4059,7 +4059,7 @@
         </p:nvCxnSpPr>
         <p:spPr>
           <a:xfrm flipH="1">
-            <a:off x="3993391" y="1875861"/>
+            <a:off x="3712933" y="995301"/>
             <a:ext cx="956499" cy="954380"/>
           </a:xfrm>
           <a:prstGeom prst="line">
@@ -4095,7 +4095,7 @@
         </p:nvSpPr>
         <p:spPr>
           <a:xfrm>
-            <a:off x="4949890" y="1675806"/>
+            <a:off x="4669432" y="795246"/>
             <a:ext cx="1332416" cy="400110"/>
           </a:xfrm>
           <a:prstGeom prst="rect">
@@ -4136,7 +4136,7 @@
         </p:nvCxnSpPr>
         <p:spPr>
           <a:xfrm flipH="1">
-            <a:off x="4039789" y="2637553"/>
+            <a:off x="3759331" y="1756993"/>
             <a:ext cx="958158" cy="546397"/>
           </a:xfrm>
           <a:prstGeom prst="line">
@@ -4172,7 +4172,7 @@
         </p:nvSpPr>
         <p:spPr>
           <a:xfrm>
-            <a:off x="4997947" y="2283610"/>
+            <a:off x="4717489" y="1403050"/>
             <a:ext cx="1154483" cy="707886"/>
           </a:xfrm>
           <a:prstGeom prst="rect">
@@ -4230,7 +4230,7 @@
         </p:nvCxnSpPr>
         <p:spPr>
           <a:xfrm flipH="1">
-            <a:off x="3810834" y="3511720"/>
+            <a:off x="3530376" y="2631160"/>
             <a:ext cx="1245924" cy="856979"/>
           </a:xfrm>
           <a:prstGeom prst="line">
@@ -4266,7 +4266,7 @@
         </p:nvSpPr>
         <p:spPr>
           <a:xfrm>
-            <a:off x="5048794" y="3147387"/>
+            <a:off x="4768336" y="2266827"/>
             <a:ext cx="1797920" cy="707886"/>
           </a:xfrm>
           <a:prstGeom prst="rect">
@@ -4314,14 +4314,13 @@
           </p:cNvPr>
           <p:cNvCxnSpPr>
             <a:cxnSpLocks/>
-            <a:stCxn id="57" idx="1"/>
           </p:cNvCxnSpPr>
           <p:nvPr/>
         </p:nvCxnSpPr>
         <p:spPr>
           <a:xfrm flipH="1">
-            <a:off x="4052620" y="4266045"/>
-            <a:ext cx="1026766" cy="325028"/>
+            <a:off x="3901593" y="3372743"/>
+            <a:ext cx="815896" cy="324672"/>
           </a:xfrm>
           <a:prstGeom prst="line">
             <a:avLst/>
@@ -4356,7 +4355,7 @@
         </p:nvSpPr>
         <p:spPr>
           <a:xfrm>
-            <a:off x="5079386" y="4065990"/>
+            <a:off x="4735193" y="3182407"/>
             <a:ext cx="770841" cy="400110"/>
           </a:xfrm>
           <a:prstGeom prst="rect">
@@ -4397,7 +4396,7 @@
         </p:nvCxnSpPr>
         <p:spPr>
           <a:xfrm flipH="1" flipV="1">
-            <a:off x="3810835" y="4860117"/>
+            <a:off x="3552420" y="4095820"/>
             <a:ext cx="1175820" cy="846414"/>
           </a:xfrm>
           <a:prstGeom prst="line">
@@ -4433,7 +4432,7 @@
         </p:nvSpPr>
         <p:spPr>
           <a:xfrm>
-            <a:off x="4986655" y="5506476"/>
+            <a:off x="4728240" y="4742179"/>
             <a:ext cx="766654" cy="400110"/>
           </a:xfrm>
           <a:prstGeom prst="rect">
@@ -4469,13 +4468,14 @@
           <p:cNvCxnSpPr>
             <a:cxnSpLocks/>
             <a:stCxn id="64" idx="1"/>
+            <a:endCxn id="90" idx="3"/>
           </p:cNvCxnSpPr>
           <p:nvPr/>
         </p:nvCxnSpPr>
         <p:spPr>
           <a:xfrm flipH="1" flipV="1">
-            <a:off x="3556285" y="4576999"/>
-            <a:ext cx="1430370" cy="385252"/>
+            <a:off x="3431717" y="3705826"/>
+            <a:ext cx="1312697" cy="461144"/>
           </a:xfrm>
           <a:prstGeom prst="line">
             <a:avLst/>
@@ -4510,7 +4510,7 @@
         </p:nvSpPr>
         <p:spPr>
           <a:xfrm>
-            <a:off x="4986655" y="4608308"/>
+            <a:off x="4744414" y="3813027"/>
             <a:ext cx="1625597" cy="707886"/>
           </a:xfrm>
           <a:prstGeom prst="rect">
@@ -4565,7 +4565,7 @@
         </p:nvSpPr>
         <p:spPr>
           <a:xfrm>
-            <a:off x="382782" y="4069858"/>
+            <a:off x="275754" y="3139023"/>
             <a:ext cx="697627" cy="437350"/>
           </a:xfrm>
           <a:prstGeom prst="rect">
@@ -4619,7 +4619,7 @@
         </p:nvSpPr>
         <p:spPr>
           <a:xfrm>
-            <a:off x="132662" y="5086587"/>
+            <a:off x="162692" y="5627458"/>
             <a:ext cx="893173" cy="437350"/>
           </a:xfrm>
           <a:prstGeom prst="rect">
@@ -4673,7 +4673,7 @@
         </p:nvSpPr>
         <p:spPr>
           <a:xfrm>
-            <a:off x="4986655" y="6161303"/>
+            <a:off x="4714424" y="5466228"/>
             <a:ext cx="1269347" cy="400110"/>
           </a:xfrm>
           <a:prstGeom prst="rect">
@@ -4727,7 +4727,7 @@
         </p:nvSpPr>
         <p:spPr>
           <a:xfrm>
-            <a:off x="4986655" y="5510409"/>
+            <a:off x="4728240" y="4746112"/>
             <a:ext cx="660897" cy="447932"/>
           </a:xfrm>
           <a:prstGeom prst="rect">
@@ -4781,7 +4781,7 @@
         </p:nvSpPr>
         <p:spPr>
           <a:xfrm>
-            <a:off x="4997947" y="4635943"/>
+            <a:off x="4755706" y="3840662"/>
             <a:ext cx="1546365" cy="647492"/>
           </a:xfrm>
           <a:prstGeom prst="rect">
@@ -4835,7 +4835,7 @@
         </p:nvSpPr>
         <p:spPr>
           <a:xfrm>
-            <a:off x="5079386" y="4065990"/>
+            <a:off x="4735193" y="3182407"/>
             <a:ext cx="673923" cy="400110"/>
           </a:xfrm>
           <a:prstGeom prst="rect">
@@ -4889,7 +4889,7 @@
         </p:nvSpPr>
         <p:spPr>
           <a:xfrm>
-            <a:off x="4958356" y="1670180"/>
+            <a:off x="4677898" y="789620"/>
             <a:ext cx="1154483" cy="441135"/>
           </a:xfrm>
           <a:prstGeom prst="rect">
@@ -4943,7 +4943,7 @@
         </p:nvSpPr>
         <p:spPr>
           <a:xfrm>
-            <a:off x="4997947" y="2304666"/>
+            <a:off x="4717489" y="1424106"/>
             <a:ext cx="1004781" cy="714465"/>
           </a:xfrm>
           <a:prstGeom prst="rect">
@@ -4997,7 +4997,7 @@
         </p:nvSpPr>
         <p:spPr>
           <a:xfrm>
-            <a:off x="5056758" y="3180491"/>
+            <a:off x="4776300" y="2299931"/>
             <a:ext cx="1682469" cy="662458"/>
           </a:xfrm>
           <a:prstGeom prst="rect">
@@ -5065,7 +5065,7 @@
         </p:blipFill>
         <p:spPr>
           <a:xfrm>
-            <a:off x="3658776" y="4691651"/>
+            <a:off x="3378318" y="3811091"/>
             <a:ext cx="288873" cy="288873"/>
           </a:xfrm>
           <a:prstGeom prst="rect">
@@ -5101,7 +5101,7 @@
         </p:blipFill>
         <p:spPr>
           <a:xfrm>
-            <a:off x="3658776" y="4209296"/>
+            <a:off x="3378317" y="3326197"/>
             <a:ext cx="288874" cy="288874"/>
           </a:xfrm>
           <a:prstGeom prst="rect">
@@ -5137,7 +5137,7 @@
         </p:blipFill>
         <p:spPr>
           <a:xfrm>
-            <a:off x="3905722" y="4433481"/>
+            <a:off x="3625264" y="3552921"/>
             <a:ext cx="288874" cy="288874"/>
           </a:xfrm>
           <a:prstGeom prst="rect">
@@ -5173,7 +5173,7 @@
         </p:blipFill>
         <p:spPr>
           <a:xfrm>
-            <a:off x="3423301" y="4441949"/>
+            <a:off x="3142843" y="3561389"/>
             <a:ext cx="288874" cy="288874"/>
           </a:xfrm>
           <a:prstGeom prst="rect">
@@ -5195,7 +5195,7 @@
         </p:nvSpPr>
         <p:spPr>
           <a:xfrm>
-            <a:off x="7874846" y="1153205"/>
+            <a:off x="7874846" y="801514"/>
             <a:ext cx="2517036" cy="461665"/>
           </a:xfrm>
           <a:prstGeom prst="rect">
@@ -5247,7 +5247,7 @@
         </p:blipFill>
         <p:spPr>
           <a:xfrm>
-            <a:off x="7373527" y="2673016"/>
+            <a:off x="7373527" y="1919396"/>
             <a:ext cx="317142" cy="317142"/>
           </a:xfrm>
           <a:prstGeom prst="rect">
@@ -5271,7 +5271,7 @@
         </p:nvCxnSpPr>
         <p:spPr>
           <a:xfrm flipH="1" flipV="1">
-            <a:off x="7041915" y="2570544"/>
+            <a:off x="6971577" y="1847069"/>
             <a:ext cx="1039038" cy="3551"/>
           </a:xfrm>
           <a:prstGeom prst="line">
@@ -5307,7 +5307,7 @@
         </p:nvSpPr>
         <p:spPr>
           <a:xfrm>
-            <a:off x="6855470" y="2169419"/>
+            <a:off x="6865518" y="1476088"/>
             <a:ext cx="1353256" cy="338554"/>
           </a:xfrm>
           <a:prstGeom prst="rect">
@@ -5316,17 +5316,24 @@
           <a:noFill/>
         </p:spPr>
         <p:txBody>
-          <a:bodyPr wrap="none" rtlCol="0">
+          <a:bodyPr wrap="square" rtlCol="0">
             <a:spAutoFit/>
           </a:bodyPr>
           <a:lstStyle/>
           <a:p>
+            <a:r>
+              <a:rPr kumimoji="1" lang="ja-JP" altLang="en-US" sz="1400" dirty="0">
+                <a:latin typeface="HGP創英角ｺﾞｼｯｸUB" panose="020B0900000000000000" pitchFamily="50" charset="-128"/>
+                <a:ea typeface="HGP創英角ｺﾞｼｯｸUB" panose="020B0900000000000000" pitchFamily="50" charset="-128"/>
+              </a:rPr>
+              <a:t>踏み込み</a:t>
+            </a:r>
             <a:r>
               <a:rPr kumimoji="1" lang="ja-JP" altLang="en-US" sz="1600" dirty="0">
                 <a:latin typeface="HGP創英角ｺﾞｼｯｸUB" panose="020B0900000000000000" pitchFamily="50" charset="-128"/>
                 <a:ea typeface="HGP創英角ｺﾞｼｯｸUB" panose="020B0900000000000000" pitchFamily="50" charset="-128"/>
               </a:rPr>
-              <a:t>踏み込み斬り</a:t>
+              <a:t>斬り</a:t>
             </a:r>
           </a:p>
         </p:txBody>
@@ -5359,7 +5366,7 @@
         </p:blipFill>
         <p:spPr>
           <a:xfrm>
-            <a:off x="8976987" y="2258000"/>
+            <a:off x="8976987" y="1614912"/>
             <a:ext cx="317142" cy="317142"/>
           </a:xfrm>
           <a:prstGeom prst="rect">
@@ -5383,7 +5390,7 @@
         </p:nvCxnSpPr>
         <p:spPr>
           <a:xfrm flipH="1" flipV="1">
-            <a:off x="8645375" y="2155528"/>
+            <a:off x="8645375" y="1542585"/>
             <a:ext cx="1039038" cy="3551"/>
           </a:xfrm>
           <a:prstGeom prst="line">
@@ -5419,8 +5426,8 @@
         </p:nvSpPr>
         <p:spPr>
           <a:xfrm>
-            <a:off x="8855884" y="1735629"/>
-            <a:ext cx="554960" cy="338554"/>
+            <a:off x="8855884" y="1213120"/>
+            <a:ext cx="554960" cy="307777"/>
           </a:xfrm>
           <a:prstGeom prst="rect">
             <a:avLst/>
@@ -5428,18 +5435,22 @@
           <a:noFill/>
         </p:spPr>
         <p:txBody>
-          <a:bodyPr wrap="none" rtlCol="0">
+          <a:bodyPr wrap="square" rtlCol="0">
             <a:spAutoFit/>
           </a:bodyPr>
           <a:lstStyle/>
           <a:p>
             <a:r>
-              <a:rPr kumimoji="1" lang="ja-JP" altLang="en-US" sz="1600" dirty="0">
+              <a:rPr kumimoji="1" lang="ja-JP" altLang="en-US" sz="1400" dirty="0">
                 <a:latin typeface="HGP創英角ｺﾞｼｯｸUB" panose="020B0900000000000000" pitchFamily="50" charset="-128"/>
                 <a:ea typeface="HGP創英角ｺﾞｼｯｸUB" panose="020B0900000000000000" pitchFamily="50" charset="-128"/>
               </a:rPr>
               <a:t>突き</a:t>
             </a:r>
+            <a:endParaRPr kumimoji="1" lang="ja-JP" altLang="en-US" sz="1600" dirty="0">
+              <a:latin typeface="HGP創英角ｺﾞｼｯｸUB" panose="020B0900000000000000" pitchFamily="50" charset="-128"/>
+              <a:ea typeface="HGP創英角ｺﾞｼｯｸUB" panose="020B0900000000000000" pitchFamily="50" charset="-128"/>
+            </a:endParaRPr>
           </a:p>
         </p:txBody>
       </p:sp>
@@ -5471,7 +5482,7 @@
         </p:blipFill>
         <p:spPr>
           <a:xfrm>
-            <a:off x="10480019" y="2259825"/>
+            <a:off x="10480019" y="1606688"/>
             <a:ext cx="317142" cy="317142"/>
           </a:xfrm>
           <a:prstGeom prst="rect">
@@ -5495,7 +5506,7 @@
         </p:nvCxnSpPr>
         <p:spPr>
           <a:xfrm flipH="1" flipV="1">
-            <a:off x="10148407" y="2157353"/>
+            <a:off x="10148407" y="1554457"/>
             <a:ext cx="1039038" cy="3551"/>
           </a:xfrm>
           <a:prstGeom prst="line">
@@ -5531,8 +5542,8 @@
         </p:nvSpPr>
         <p:spPr>
           <a:xfrm>
-            <a:off x="10186063" y="1756228"/>
-            <a:ext cx="939681" cy="338554"/>
+            <a:off x="10186063" y="1183479"/>
+            <a:ext cx="939681" cy="307777"/>
           </a:xfrm>
           <a:prstGeom prst="rect">
             <a:avLst/>
@@ -5540,13 +5551,13 @@
           <a:noFill/>
         </p:spPr>
         <p:txBody>
-          <a:bodyPr wrap="none" rtlCol="0">
+          <a:bodyPr wrap="square" rtlCol="0">
             <a:spAutoFit/>
           </a:bodyPr>
           <a:lstStyle/>
           <a:p>
             <a:r>
-              <a:rPr kumimoji="1" lang="ja-JP" altLang="en-US" sz="1600" dirty="0">
+              <a:rPr kumimoji="1" lang="ja-JP" altLang="en-US" sz="1400" dirty="0">
                 <a:latin typeface="HGP創英角ｺﾞｼｯｸUB" panose="020B0900000000000000" pitchFamily="50" charset="-128"/>
                 <a:ea typeface="HGP創英角ｺﾞｼｯｸUB" panose="020B0900000000000000" pitchFamily="50" charset="-128"/>
               </a:rPr>
@@ -5583,7 +5594,7 @@
         </p:blipFill>
         <p:spPr>
           <a:xfrm rot="3225102">
-            <a:off x="8216308" y="2186401"/>
+            <a:off x="8216308" y="1563408"/>
             <a:ext cx="250695" cy="220850"/>
           </a:xfrm>
           <a:prstGeom prst="rect">
@@ -5619,7 +5630,7 @@
         </p:blipFill>
         <p:spPr>
           <a:xfrm rot="5400000">
-            <a:off x="9811370" y="2045103"/>
+            <a:off x="9811370" y="1432158"/>
             <a:ext cx="250695" cy="220850"/>
           </a:xfrm>
           <a:prstGeom prst="rect">
@@ -5641,7 +5652,7 @@
         </p:nvSpPr>
         <p:spPr>
           <a:xfrm>
-            <a:off x="8124558" y="3488153"/>
+            <a:off x="8124558" y="2654141"/>
             <a:ext cx="2260555" cy="461665"/>
           </a:xfrm>
           <a:prstGeom prst="rect">
@@ -5681,7 +5692,7 @@
         </p:nvCxnSpPr>
         <p:spPr>
           <a:xfrm flipH="1" flipV="1">
-            <a:off x="8647804" y="3041212"/>
+            <a:off x="8647804" y="2277542"/>
             <a:ext cx="1039038" cy="3551"/>
           </a:xfrm>
           <a:prstGeom prst="line">
@@ -5717,8 +5728,8 @@
         </p:nvSpPr>
         <p:spPr>
           <a:xfrm>
-            <a:off x="8858313" y="2621313"/>
-            <a:ext cx="554960" cy="338554"/>
+            <a:off x="8858313" y="1978224"/>
+            <a:ext cx="554960" cy="307777"/>
           </a:xfrm>
           <a:prstGeom prst="rect">
             <a:avLst/>
@@ -5726,13 +5737,13 @@
           <a:noFill/>
         </p:spPr>
         <p:txBody>
-          <a:bodyPr wrap="none" rtlCol="0">
+          <a:bodyPr wrap="square" rtlCol="0">
             <a:spAutoFit/>
           </a:bodyPr>
           <a:lstStyle/>
           <a:p>
             <a:r>
-              <a:rPr kumimoji="1" lang="ja-JP" altLang="en-US" sz="1600" dirty="0">
+              <a:rPr kumimoji="1" lang="ja-JP" altLang="en-US" sz="1400" dirty="0">
                 <a:latin typeface="HGP創英角ｺﾞｼｯｸUB" panose="020B0900000000000000" pitchFamily="50" charset="-128"/>
                 <a:ea typeface="HGP創英角ｺﾞｼｯｸUB" panose="020B0900000000000000" pitchFamily="50" charset="-128"/>
               </a:rPr>
@@ -5757,7 +5768,7 @@
         </p:nvCxnSpPr>
         <p:spPr>
           <a:xfrm flipH="1" flipV="1">
-            <a:off x="10145057" y="3053007"/>
+            <a:off x="10145057" y="2289340"/>
             <a:ext cx="1039038" cy="3551"/>
           </a:xfrm>
           <a:prstGeom prst="line">
@@ -5793,8 +5804,8 @@
         </p:nvSpPr>
         <p:spPr>
           <a:xfrm>
-            <a:off x="10183321" y="2615532"/>
-            <a:ext cx="939681" cy="338554"/>
+            <a:off x="10183321" y="1992541"/>
+            <a:ext cx="939681" cy="307777"/>
           </a:xfrm>
           <a:prstGeom prst="rect">
             <a:avLst/>
@@ -5802,13 +5813,13 @@
           <a:noFill/>
         </p:spPr>
         <p:txBody>
-          <a:bodyPr wrap="none" rtlCol="0">
+          <a:bodyPr wrap="square" rtlCol="0">
             <a:spAutoFit/>
           </a:bodyPr>
           <a:lstStyle/>
           <a:p>
             <a:r>
-              <a:rPr kumimoji="1" lang="ja-JP" altLang="en-US" sz="1600" dirty="0">
+              <a:rPr kumimoji="1" lang="ja-JP" altLang="en-US" sz="1400" dirty="0">
                 <a:latin typeface="HGP創英角ｺﾞｼｯｸUB" panose="020B0900000000000000" pitchFamily="50" charset="-128"/>
                 <a:ea typeface="HGP創英角ｺﾞｼｯｸUB" panose="020B0900000000000000" pitchFamily="50" charset="-128"/>
               </a:rPr>
@@ -5844,8 +5855,8 @@
           </a:stretch>
         </p:blipFill>
         <p:spPr>
-          <a:xfrm rot="7971615">
-            <a:off x="8209481" y="2748502"/>
+          <a:xfrm rot="7658907">
+            <a:off x="8209481" y="2035076"/>
             <a:ext cx="250695" cy="220850"/>
           </a:xfrm>
           <a:prstGeom prst="rect">
@@ -5881,7 +5892,7 @@
         </p:blipFill>
         <p:spPr>
           <a:xfrm rot="5400000">
-            <a:off x="9808020" y="2967630"/>
+            <a:off x="9808020" y="2163766"/>
             <a:ext cx="250695" cy="220850"/>
           </a:xfrm>
           <a:prstGeom prst="rect">
@@ -5905,7 +5916,7 @@
         </p:nvCxnSpPr>
         <p:spPr>
           <a:xfrm flipH="1" flipV="1">
-            <a:off x="7959502" y="4519304"/>
+            <a:off x="7959502" y="3504421"/>
             <a:ext cx="1039038" cy="3551"/>
           </a:xfrm>
           <a:prstGeom prst="line">
@@ -5941,8 +5952,8 @@
         </p:nvSpPr>
         <p:spPr>
           <a:xfrm>
-            <a:off x="8170011" y="4099405"/>
-            <a:ext cx="554960" cy="338554"/>
+            <a:off x="8170011" y="3174957"/>
+            <a:ext cx="508473" cy="307777"/>
           </a:xfrm>
           <a:prstGeom prst="rect">
             <a:avLst/>
@@ -5956,12 +5967,16 @@
           <a:lstStyle/>
           <a:p>
             <a:r>
-              <a:rPr kumimoji="1" lang="ja-JP" altLang="en-US" sz="1600" dirty="0">
+              <a:rPr kumimoji="1" lang="ja-JP" altLang="en-US" sz="1400" dirty="0">
                 <a:latin typeface="HGP創英角ｺﾞｼｯｸUB" panose="020B0900000000000000" pitchFamily="50" charset="-128"/>
                 <a:ea typeface="HGP創英角ｺﾞｼｯｸUB" panose="020B0900000000000000" pitchFamily="50" charset="-128"/>
               </a:rPr>
               <a:t>突き</a:t>
             </a:r>
+            <a:endParaRPr kumimoji="1" lang="ja-JP" altLang="en-US" sz="1600" dirty="0">
+              <a:latin typeface="HGP創英角ｺﾞｼｯｸUB" panose="020B0900000000000000" pitchFamily="50" charset="-128"/>
+              <a:ea typeface="HGP創英角ｺﾞｼｯｸUB" panose="020B0900000000000000" pitchFamily="50" charset="-128"/>
+            </a:endParaRPr>
           </a:p>
         </p:txBody>
       </p:sp>
@@ -5981,7 +5996,7 @@
         </p:nvCxnSpPr>
         <p:spPr>
           <a:xfrm flipH="1" flipV="1">
-            <a:off x="9456755" y="4531099"/>
+            <a:off x="9456755" y="3506170"/>
             <a:ext cx="1039038" cy="3551"/>
           </a:xfrm>
           <a:prstGeom prst="line">
@@ -6017,8 +6032,8 @@
         </p:nvSpPr>
         <p:spPr>
           <a:xfrm>
-            <a:off x="9495019" y="4093624"/>
-            <a:ext cx="939681" cy="338554"/>
+            <a:off x="9495019" y="3169176"/>
+            <a:ext cx="843501" cy="307777"/>
           </a:xfrm>
           <a:prstGeom prst="rect">
             <a:avLst/>
@@ -6032,12 +6047,16 @@
           <a:lstStyle/>
           <a:p>
             <a:r>
-              <a:rPr kumimoji="1" lang="ja-JP" altLang="en-US" sz="1600" dirty="0">
+              <a:rPr kumimoji="1" lang="ja-JP" altLang="en-US" sz="1400" dirty="0">
                 <a:latin typeface="HGP創英角ｺﾞｼｯｸUB" panose="020B0900000000000000" pitchFamily="50" charset="-128"/>
                 <a:ea typeface="HGP創英角ｺﾞｼｯｸUB" panose="020B0900000000000000" pitchFamily="50" charset="-128"/>
               </a:rPr>
               <a:t>斬り上げ</a:t>
             </a:r>
+            <a:endParaRPr kumimoji="1" lang="ja-JP" altLang="en-US" sz="1600" dirty="0">
+              <a:latin typeface="HGP創英角ｺﾞｼｯｸUB" panose="020B0900000000000000" pitchFamily="50" charset="-128"/>
+              <a:ea typeface="HGP創英角ｺﾞｼｯｸUB" panose="020B0900000000000000" pitchFamily="50" charset="-128"/>
+            </a:endParaRPr>
           </a:p>
         </p:txBody>
       </p:sp>
@@ -6069,7 +6088,7 @@
         </p:blipFill>
         <p:spPr>
           <a:xfrm rot="5400000">
-            <a:off x="9119718" y="4445722"/>
+            <a:off x="9119718" y="3380597"/>
             <a:ext cx="250695" cy="220850"/>
           </a:xfrm>
           <a:prstGeom prst="rect">
@@ -6105,7 +6124,7 @@
         </p:blipFill>
         <p:spPr>
           <a:xfrm>
-            <a:off x="9021216" y="3113869"/>
+            <a:off x="9001120" y="2340152"/>
             <a:ext cx="288874" cy="288874"/>
           </a:xfrm>
           <a:prstGeom prst="rect">
@@ -6141,7 +6160,7 @@
         </p:blipFill>
         <p:spPr>
           <a:xfrm>
-            <a:off x="10524247" y="3113104"/>
+            <a:off x="10524247" y="2339387"/>
             <a:ext cx="322553" cy="322553"/>
           </a:xfrm>
           <a:prstGeom prst="rect">
@@ -6177,7 +6196,7 @@
         </p:blipFill>
         <p:spPr>
           <a:xfrm>
-            <a:off x="8302694" y="4610331"/>
+            <a:off x="8302694" y="3595450"/>
             <a:ext cx="288874" cy="288874"/>
           </a:xfrm>
           <a:prstGeom prst="rect">
@@ -6213,7 +6232,7 @@
         </p:blipFill>
         <p:spPr>
           <a:xfrm>
-            <a:off x="9842789" y="4602156"/>
+            <a:off x="9842789" y="3597321"/>
             <a:ext cx="288874" cy="288874"/>
           </a:xfrm>
           <a:prstGeom prst="rect">
@@ -6235,7 +6254,7 @@
         </p:nvSpPr>
         <p:spPr>
           <a:xfrm>
-            <a:off x="7972471" y="5050501"/>
+            <a:off x="7972471" y="3985382"/>
             <a:ext cx="2608406" cy="461665"/>
           </a:xfrm>
           <a:prstGeom prst="rect">
@@ -6275,8 +6294,8 @@
         </p:nvCxnSpPr>
         <p:spPr>
           <a:xfrm flipH="1">
-            <a:off x="6612252" y="6005369"/>
-            <a:ext cx="977257" cy="15025"/>
+            <a:off x="6676208" y="4709139"/>
+            <a:ext cx="913302" cy="5131"/>
           </a:xfrm>
           <a:prstGeom prst="line">
             <a:avLst/>
@@ -6311,8 +6330,8 @@
         </p:nvSpPr>
         <p:spPr>
           <a:xfrm>
-            <a:off x="6575726" y="5632349"/>
-            <a:ext cx="1053494" cy="338554"/>
+            <a:off x="6676208" y="4376314"/>
+            <a:ext cx="942887" cy="307777"/>
           </a:xfrm>
           <a:prstGeom prst="rect">
             <a:avLst/>
@@ -6326,20 +6345,20 @@
           <a:lstStyle/>
           <a:p>
             <a:r>
-              <a:rPr kumimoji="1" lang="ja-JP" altLang="en-US" sz="1600" dirty="0">
+              <a:rPr kumimoji="1" lang="ja-JP" altLang="en-US" sz="1400" dirty="0">
                 <a:latin typeface="HGP創英角ｺﾞｼｯｸUB" panose="020B0900000000000000" pitchFamily="50" charset="-128"/>
                 <a:ea typeface="HGP創英角ｺﾞｼｯｸUB" panose="020B0900000000000000" pitchFamily="50" charset="-128"/>
               </a:rPr>
               <a:t>気刃斬り </a:t>
             </a:r>
             <a:r>
-              <a:rPr lang="en-US" altLang="ja-JP" sz="1600" dirty="0">
+              <a:rPr lang="en-US" altLang="ja-JP" sz="1400" dirty="0">
                 <a:latin typeface="HGP創英角ｺﾞｼｯｸUB" panose="020B0900000000000000" pitchFamily="50" charset="-128"/>
                 <a:ea typeface="HGP創英角ｺﾞｼｯｸUB" panose="020B0900000000000000" pitchFamily="50" charset="-128"/>
               </a:rPr>
               <a:t>|</a:t>
             </a:r>
-            <a:endParaRPr kumimoji="1" lang="ja-JP" altLang="en-US" sz="1600" dirty="0">
+            <a:endParaRPr kumimoji="1" lang="ja-JP" altLang="en-US" sz="1400" dirty="0">
               <a:latin typeface="HGP創英角ｺﾞｼｯｸUB" panose="020B0900000000000000" pitchFamily="50" charset="-128"/>
               <a:ea typeface="HGP創英角ｺﾞｼｯｸUB" panose="020B0900000000000000" pitchFamily="50" charset="-128"/>
             </a:endParaRPr>
@@ -6362,7 +6381,7 @@
         </p:nvCxnSpPr>
         <p:spPr>
           <a:xfrm flipH="1">
-            <a:off x="7998611" y="6020550"/>
+            <a:off x="8010615" y="4723668"/>
             <a:ext cx="957285" cy="2008"/>
           </a:xfrm>
           <a:prstGeom prst="line">
@@ -6412,7 +6431,7 @@
         </p:blipFill>
         <p:spPr>
           <a:xfrm rot="5400000">
-            <a:off x="7693022" y="5918107"/>
+            <a:off x="7693022" y="4722360"/>
             <a:ext cx="250695" cy="220850"/>
           </a:xfrm>
           <a:prstGeom prst="rect">
@@ -6434,8 +6453,8 @@
         </p:nvSpPr>
         <p:spPr>
           <a:xfrm>
-            <a:off x="7931688" y="5627458"/>
-            <a:ext cx="1088760" cy="338554"/>
+            <a:off x="7931688" y="4361372"/>
+            <a:ext cx="973343" cy="307777"/>
           </a:xfrm>
           <a:prstGeom prst="rect">
             <a:avLst/>
@@ -6449,20 +6468,20 @@
           <a:lstStyle/>
           <a:p>
             <a:r>
-              <a:rPr kumimoji="1" lang="ja-JP" altLang="en-US" sz="1600" dirty="0">
+              <a:rPr kumimoji="1" lang="ja-JP" altLang="en-US" sz="1400" dirty="0">
                 <a:latin typeface="HGP創英角ｺﾞｼｯｸUB" panose="020B0900000000000000" pitchFamily="50" charset="-128"/>
                 <a:ea typeface="HGP創英角ｺﾞｼｯｸUB" panose="020B0900000000000000" pitchFamily="50" charset="-128"/>
               </a:rPr>
               <a:t>気刃斬り </a:t>
             </a:r>
             <a:r>
-              <a:rPr lang="en-US" altLang="ja-JP" sz="1600" dirty="0">
+              <a:rPr lang="en-US" altLang="ja-JP" sz="1400" dirty="0">
                 <a:latin typeface="HGP創英角ｺﾞｼｯｸUB" panose="020B0900000000000000" pitchFamily="50" charset="-128"/>
                 <a:ea typeface="HGP創英角ｺﾞｼｯｸUB" panose="020B0900000000000000" pitchFamily="50" charset="-128"/>
               </a:rPr>
               <a:t>||</a:t>
             </a:r>
-            <a:endParaRPr kumimoji="1" lang="ja-JP" altLang="en-US" sz="1600" dirty="0">
+            <a:endParaRPr kumimoji="1" lang="ja-JP" altLang="en-US" sz="1400" dirty="0">
               <a:latin typeface="HGP創英角ｺﾞｼｯｸUB" panose="020B0900000000000000" pitchFamily="50" charset="-128"/>
               <a:ea typeface="HGP創英角ｺﾞｼｯｸUB" panose="020B0900000000000000" pitchFamily="50" charset="-128"/>
             </a:endParaRPr>
@@ -6485,7 +6504,7 @@
         </p:nvCxnSpPr>
         <p:spPr>
           <a:xfrm flipH="1">
-            <a:off x="9324652" y="6020550"/>
+            <a:off x="9324652" y="4734367"/>
             <a:ext cx="957285" cy="2008"/>
           </a:xfrm>
           <a:prstGeom prst="line">
@@ -6535,7 +6554,7 @@
         </p:blipFill>
         <p:spPr>
           <a:xfrm rot="5400000">
-            <a:off x="9019063" y="5918107"/>
+            <a:off x="9019063" y="4722360"/>
             <a:ext cx="250695" cy="220850"/>
           </a:xfrm>
           <a:prstGeom prst="rect">
@@ -6557,8 +6576,8 @@
         </p:nvSpPr>
         <p:spPr>
           <a:xfrm>
-            <a:off x="9257729" y="5627458"/>
-            <a:ext cx="1124026" cy="338554"/>
+            <a:off x="9267777" y="4371423"/>
+            <a:ext cx="1003801" cy="307777"/>
           </a:xfrm>
           <a:prstGeom prst="rect">
             <a:avLst/>
@@ -6572,20 +6591,20 @@
           <a:lstStyle/>
           <a:p>
             <a:r>
-              <a:rPr kumimoji="1" lang="ja-JP" altLang="en-US" sz="1600" dirty="0">
+              <a:rPr kumimoji="1" lang="ja-JP" altLang="en-US" sz="1400" dirty="0">
                 <a:latin typeface="HGP創英角ｺﾞｼｯｸUB" panose="020B0900000000000000" pitchFamily="50" charset="-128"/>
                 <a:ea typeface="HGP創英角ｺﾞｼｯｸUB" panose="020B0900000000000000" pitchFamily="50" charset="-128"/>
               </a:rPr>
               <a:t>気刃斬り </a:t>
             </a:r>
             <a:r>
-              <a:rPr lang="en-US" altLang="ja-JP" sz="1600" dirty="0">
+              <a:rPr lang="en-US" altLang="ja-JP" sz="1400" dirty="0">
                 <a:latin typeface="HGP創英角ｺﾞｼｯｸUB" panose="020B0900000000000000" pitchFamily="50" charset="-128"/>
                 <a:ea typeface="HGP創英角ｺﾞｼｯｸUB" panose="020B0900000000000000" pitchFamily="50" charset="-128"/>
               </a:rPr>
               <a:t>|||</a:t>
             </a:r>
-            <a:endParaRPr kumimoji="1" lang="ja-JP" altLang="en-US" sz="1600" dirty="0">
+            <a:endParaRPr kumimoji="1" lang="ja-JP" altLang="en-US" sz="1400" dirty="0">
               <a:latin typeface="HGP創英角ｺﾞｼｯｸUB" panose="020B0900000000000000" pitchFamily="50" charset="-128"/>
               <a:ea typeface="HGP創英角ｺﾞｼｯｸUB" panose="020B0900000000000000" pitchFamily="50" charset="-128"/>
             </a:endParaRPr>
@@ -6608,7 +6627,7 @@
         </p:nvCxnSpPr>
         <p:spPr>
           <a:xfrm flipH="1">
-            <a:off x="10650694" y="6031845"/>
+            <a:off x="10650694" y="4745663"/>
             <a:ext cx="1431325" cy="0"/>
           </a:xfrm>
           <a:prstGeom prst="line">
@@ -6658,7 +6677,7 @@
         </p:blipFill>
         <p:spPr>
           <a:xfrm rot="5400000">
-            <a:off x="10345104" y="5927394"/>
+            <a:off x="10345104" y="4731647"/>
             <a:ext cx="250695" cy="220850"/>
           </a:xfrm>
           <a:prstGeom prst="rect">
@@ -6680,8 +6699,8 @@
         </p:nvSpPr>
         <p:spPr>
           <a:xfrm>
-            <a:off x="10583770" y="5636745"/>
-            <a:ext cx="1564852" cy="338554"/>
+            <a:off x="10583770" y="4360612"/>
+            <a:ext cx="1391728" cy="307777"/>
           </a:xfrm>
           <a:prstGeom prst="rect">
             <a:avLst/>
@@ -6695,7 +6714,7 @@
           <a:lstStyle/>
           <a:p>
             <a:r>
-              <a:rPr kumimoji="1" lang="ja-JP" altLang="en-US" sz="1600" dirty="0">
+              <a:rPr kumimoji="1" lang="ja-JP" altLang="en-US" sz="1400" dirty="0">
                 <a:latin typeface="HGP創英角ｺﾞｼｯｸUB" panose="020B0900000000000000" pitchFamily="50" charset="-128"/>
                 <a:ea typeface="HGP創英角ｺﾞｼｯｸUB" panose="020B0900000000000000" pitchFamily="50" charset="-128"/>
               </a:rPr>
@@ -6732,7 +6751,7 @@
         </p:blipFill>
         <p:spPr>
           <a:xfrm>
-            <a:off x="6912719" y="6137784"/>
+            <a:off x="6912719" y="4801361"/>
             <a:ext cx="314401" cy="332115"/>
           </a:xfrm>
           <a:prstGeom prst="rect">
@@ -6768,7 +6787,7 @@
         </p:blipFill>
         <p:spPr>
           <a:xfrm>
-            <a:off x="8315658" y="6137784"/>
+            <a:off x="8315658" y="4801361"/>
             <a:ext cx="314401" cy="332115"/>
           </a:xfrm>
           <a:prstGeom prst="rect">
@@ -6804,7 +6823,7 @@
         </p:blipFill>
         <p:spPr>
           <a:xfrm>
-            <a:off x="9656749" y="6137784"/>
+            <a:off x="9656749" y="4801361"/>
             <a:ext cx="314401" cy="332115"/>
           </a:xfrm>
           <a:prstGeom prst="rect">
@@ -6840,7 +6859,7 @@
         </p:blipFill>
         <p:spPr>
           <a:xfrm>
-            <a:off x="11185508" y="6137784"/>
+            <a:off x="11185508" y="4801361"/>
             <a:ext cx="314401" cy="332115"/>
           </a:xfrm>
           <a:prstGeom prst="rect">
@@ -6862,7 +6881,7 @@
         </p:nvSpPr>
         <p:spPr>
           <a:xfrm>
-            <a:off x="3720101" y="2837593"/>
+            <a:off x="3441945" y="1961655"/>
             <a:ext cx="371242" cy="276999"/>
           </a:xfrm>
           <a:prstGeom prst="rect">
@@ -6904,7 +6923,7 @@
         </p:nvSpPr>
         <p:spPr>
           <a:xfrm>
-            <a:off x="3622149" y="3116921"/>
+            <a:off x="3383335" y="2236144"/>
             <a:ext cx="371242" cy="276999"/>
           </a:xfrm>
           <a:prstGeom prst="rect">
@@ -6946,8 +6965,8 @@
         </p:nvSpPr>
         <p:spPr>
           <a:xfrm>
-            <a:off x="6795913" y="1416904"/>
-            <a:ext cx="4710288" cy="2091264"/>
+            <a:off x="6795913" y="1014971"/>
+            <a:ext cx="4710288" cy="1675762"/>
           </a:xfrm>
           <a:custGeom>
             <a:avLst/>
@@ -7122,8 +7141,8 @@
         </p:nvSpPr>
         <p:spPr>
           <a:xfrm>
-            <a:off x="7629221" y="3734490"/>
-            <a:ext cx="3235630" cy="1319932"/>
+            <a:off x="7707943" y="2850236"/>
+            <a:ext cx="3089217" cy="1145517"/>
           </a:xfrm>
           <a:custGeom>
             <a:avLst/>
@@ -7334,8 +7353,8 @@
         </p:nvSpPr>
         <p:spPr>
           <a:xfrm>
-            <a:off x="6575726" y="5286683"/>
-            <a:ext cx="5572896" cy="1322821"/>
+            <a:off x="6575726" y="4241659"/>
+            <a:ext cx="5572896" cy="1046799"/>
           </a:xfrm>
           <a:custGeom>
             <a:avLst/>
@@ -7601,6 +7620,796 @@
           <a:p>
             <a:pPr algn="ctr"/>
             <a:endParaRPr kumimoji="1" lang="ja-JP" altLang="en-US" dirty="0"/>
+          </a:p>
+        </p:txBody>
+      </p:sp>
+      <p:sp>
+        <p:nvSpPr>
+          <p:cNvPr id="110" name="テキスト ボックス 109">
+            <a:extLst>
+              <a:ext uri="{FF2B5EF4-FFF2-40B4-BE49-F238E27FC236}">
+                <a16:creationId xmlns:a16="http://schemas.microsoft.com/office/drawing/2014/main" id="{571B9357-0086-403D-806C-179A5D9E9718}"/>
+              </a:ext>
+            </a:extLst>
+          </p:cNvPr>
+          <p:cNvSpPr txBox="1"/>
+          <p:nvPr/>
+        </p:nvSpPr>
+        <p:spPr>
+          <a:xfrm>
+            <a:off x="8770654" y="5315846"/>
+            <a:ext cx="1107996" cy="461665"/>
+          </a:xfrm>
+          <a:prstGeom prst="rect">
+            <a:avLst/>
+          </a:prstGeom>
+          <a:noFill/>
+        </p:spPr>
+        <p:txBody>
+          <a:bodyPr wrap="none" rtlCol="0">
+            <a:spAutoFit/>
+          </a:bodyPr>
+          <a:lstStyle/>
+          <a:p>
+            <a:r>
+              <a:rPr kumimoji="1" lang="ja-JP" altLang="en-US" sz="2400" dirty="0">
+                <a:latin typeface="HGP創英角ｺﾞｼｯｸUB" panose="020B0900000000000000" pitchFamily="50" charset="-128"/>
+                <a:ea typeface="HGP創英角ｺﾞｼｯｸUB" panose="020B0900000000000000" pitchFamily="50" charset="-128"/>
+              </a:rPr>
+              <a:t>必殺技</a:t>
+            </a:r>
+          </a:p>
+        </p:txBody>
+      </p:sp>
+      <p:sp>
+        <p:nvSpPr>
+          <p:cNvPr id="112" name="正方形/長方形 91">
+            <a:extLst>
+              <a:ext uri="{FF2B5EF4-FFF2-40B4-BE49-F238E27FC236}">
+                <a16:creationId xmlns:a16="http://schemas.microsoft.com/office/drawing/2014/main" id="{7482F62A-2441-46C5-9E20-C75BDB4F1A7D}"/>
+              </a:ext>
+            </a:extLst>
+          </p:cNvPr>
+          <p:cNvSpPr/>
+          <p:nvPr/>
+        </p:nvSpPr>
+        <p:spPr>
+          <a:xfrm>
+            <a:off x="6554127" y="5551823"/>
+            <a:ext cx="5572896" cy="1046799"/>
+          </a:xfrm>
+          <a:custGeom>
+            <a:avLst/>
+            <a:gdLst>
+              <a:gd name="connsiteX0" fmla="*/ 0 w 4703997"/>
+              <a:gd name="connsiteY0" fmla="*/ 0 h 2089571"/>
+              <a:gd name="connsiteX1" fmla="*/ 4703997 w 4703997"/>
+              <a:gd name="connsiteY1" fmla="*/ 0 h 2089571"/>
+              <a:gd name="connsiteX2" fmla="*/ 4703997 w 4703997"/>
+              <a:gd name="connsiteY2" fmla="*/ 2089571 h 2089571"/>
+              <a:gd name="connsiteX3" fmla="*/ 0 w 4703997"/>
+              <a:gd name="connsiteY3" fmla="*/ 2089571 h 2089571"/>
+              <a:gd name="connsiteX4" fmla="*/ 0 w 4703997"/>
+              <a:gd name="connsiteY4" fmla="*/ 0 h 2089571"/>
+              <a:gd name="connsiteX0" fmla="*/ 4703997 w 4795437"/>
+              <a:gd name="connsiteY0" fmla="*/ 0 h 2089571"/>
+              <a:gd name="connsiteX1" fmla="*/ 4703997 w 4795437"/>
+              <a:gd name="connsiteY1" fmla="*/ 2089571 h 2089571"/>
+              <a:gd name="connsiteX2" fmla="*/ 0 w 4795437"/>
+              <a:gd name="connsiteY2" fmla="*/ 2089571 h 2089571"/>
+              <a:gd name="connsiteX3" fmla="*/ 0 w 4795437"/>
+              <a:gd name="connsiteY3" fmla="*/ 0 h 2089571"/>
+              <a:gd name="connsiteX4" fmla="*/ 4795437 w 4795437"/>
+              <a:gd name="connsiteY4" fmla="*/ 91440 h 2089571"/>
+              <a:gd name="connsiteX0" fmla="*/ 4703997 w 4703997"/>
+              <a:gd name="connsiteY0" fmla="*/ 0 h 2089571"/>
+              <a:gd name="connsiteX1" fmla="*/ 4703997 w 4703997"/>
+              <a:gd name="connsiteY1" fmla="*/ 2089571 h 2089571"/>
+              <a:gd name="connsiteX2" fmla="*/ 0 w 4703997"/>
+              <a:gd name="connsiteY2" fmla="*/ 2089571 h 2089571"/>
+              <a:gd name="connsiteX3" fmla="*/ 0 w 4703997"/>
+              <a:gd name="connsiteY3" fmla="*/ 0 h 2089571"/>
+              <a:gd name="connsiteX4" fmla="*/ 4236637 w 4703997"/>
+              <a:gd name="connsiteY4" fmla="*/ 15240 h 2089571"/>
+              <a:gd name="connsiteX0" fmla="*/ 4703997 w 4703997"/>
+              <a:gd name="connsiteY0" fmla="*/ 1693 h 2091264"/>
+              <a:gd name="connsiteX1" fmla="*/ 4703997 w 4703997"/>
+              <a:gd name="connsiteY1" fmla="*/ 2091264 h 2091264"/>
+              <a:gd name="connsiteX2" fmla="*/ 0 w 4703997"/>
+              <a:gd name="connsiteY2" fmla="*/ 2091264 h 2091264"/>
+              <a:gd name="connsiteX3" fmla="*/ 0 w 4703997"/>
+              <a:gd name="connsiteY3" fmla="*/ 1693 h 2091264"/>
+              <a:gd name="connsiteX4" fmla="*/ 1078570 w 4703997"/>
+              <a:gd name="connsiteY4" fmla="*/ 0 h 2091264"/>
+              <a:gd name="connsiteX0" fmla="*/ 4703997 w 4710288"/>
+              <a:gd name="connsiteY0" fmla="*/ 1693 h 2091264"/>
+              <a:gd name="connsiteX1" fmla="*/ 4710288 w 4710288"/>
+              <a:gd name="connsiteY1" fmla="*/ 5496 h 2091264"/>
+              <a:gd name="connsiteX2" fmla="*/ 4703997 w 4710288"/>
+              <a:gd name="connsiteY2" fmla="*/ 2091264 h 2091264"/>
+              <a:gd name="connsiteX3" fmla="*/ 0 w 4710288"/>
+              <a:gd name="connsiteY3" fmla="*/ 2091264 h 2091264"/>
+              <a:gd name="connsiteX4" fmla="*/ 0 w 4710288"/>
+              <a:gd name="connsiteY4" fmla="*/ 1693 h 2091264"/>
+              <a:gd name="connsiteX5" fmla="*/ 1078570 w 4710288"/>
+              <a:gd name="connsiteY5" fmla="*/ 0 h 2091264"/>
+              <a:gd name="connsiteX0" fmla="*/ 4332522 w 4710288"/>
+              <a:gd name="connsiteY0" fmla="*/ 8836 h 2091264"/>
+              <a:gd name="connsiteX1" fmla="*/ 4710288 w 4710288"/>
+              <a:gd name="connsiteY1" fmla="*/ 5496 h 2091264"/>
+              <a:gd name="connsiteX2" fmla="*/ 4703997 w 4710288"/>
+              <a:gd name="connsiteY2" fmla="*/ 2091264 h 2091264"/>
+              <a:gd name="connsiteX3" fmla="*/ 0 w 4710288"/>
+              <a:gd name="connsiteY3" fmla="*/ 2091264 h 2091264"/>
+              <a:gd name="connsiteX4" fmla="*/ 0 w 4710288"/>
+              <a:gd name="connsiteY4" fmla="*/ 1693 h 2091264"/>
+              <a:gd name="connsiteX5" fmla="*/ 1078570 w 4710288"/>
+              <a:gd name="connsiteY5" fmla="*/ 0 h 2091264"/>
+              <a:gd name="connsiteX0" fmla="*/ 3549091 w 4710288"/>
+              <a:gd name="connsiteY0" fmla="*/ 8836 h 2091264"/>
+              <a:gd name="connsiteX1" fmla="*/ 4710288 w 4710288"/>
+              <a:gd name="connsiteY1" fmla="*/ 5496 h 2091264"/>
+              <a:gd name="connsiteX2" fmla="*/ 4703997 w 4710288"/>
+              <a:gd name="connsiteY2" fmla="*/ 2091264 h 2091264"/>
+              <a:gd name="connsiteX3" fmla="*/ 0 w 4710288"/>
+              <a:gd name="connsiteY3" fmla="*/ 2091264 h 2091264"/>
+              <a:gd name="connsiteX4" fmla="*/ 0 w 4710288"/>
+              <a:gd name="connsiteY4" fmla="*/ 1693 h 2091264"/>
+              <a:gd name="connsiteX5" fmla="*/ 1078570 w 4710288"/>
+              <a:gd name="connsiteY5" fmla="*/ 0 h 2091264"/>
+              <a:gd name="connsiteX0" fmla="*/ 3549091 w 4710288"/>
+              <a:gd name="connsiteY0" fmla="*/ 8836 h 2091264"/>
+              <a:gd name="connsiteX1" fmla="*/ 4710288 w 4710288"/>
+              <a:gd name="connsiteY1" fmla="*/ 5496 h 2091264"/>
+              <a:gd name="connsiteX2" fmla="*/ 4703997 w 4710288"/>
+              <a:gd name="connsiteY2" fmla="*/ 2091264 h 2091264"/>
+              <a:gd name="connsiteX3" fmla="*/ 0 w 4710288"/>
+              <a:gd name="connsiteY3" fmla="*/ 2091264 h 2091264"/>
+              <a:gd name="connsiteX4" fmla="*/ 0 w 4710288"/>
+              <a:gd name="connsiteY4" fmla="*/ 1693 h 2091264"/>
+              <a:gd name="connsiteX5" fmla="*/ 1338920 w 4710288"/>
+              <a:gd name="connsiteY5" fmla="*/ 0 h 2091264"/>
+              <a:gd name="connsiteX0" fmla="*/ 3549091 w 4710288"/>
+              <a:gd name="connsiteY0" fmla="*/ 8836 h 2091264"/>
+              <a:gd name="connsiteX1" fmla="*/ 4710288 w 4710288"/>
+              <a:gd name="connsiteY1" fmla="*/ 5496 h 2091264"/>
+              <a:gd name="connsiteX2" fmla="*/ 4703997 w 4710288"/>
+              <a:gd name="connsiteY2" fmla="*/ 2091264 h 2091264"/>
+              <a:gd name="connsiteX3" fmla="*/ 0 w 4710288"/>
+              <a:gd name="connsiteY3" fmla="*/ 2091264 h 2091264"/>
+              <a:gd name="connsiteX4" fmla="*/ 0 w 4710288"/>
+              <a:gd name="connsiteY4" fmla="*/ 1693 h 2091264"/>
+              <a:gd name="connsiteX5" fmla="*/ 728813 w 4710288"/>
+              <a:gd name="connsiteY5" fmla="*/ 0 h 2091264"/>
+              <a:gd name="connsiteX0" fmla="*/ 3974317 w 4710288"/>
+              <a:gd name="connsiteY0" fmla="*/ 8836 h 2091264"/>
+              <a:gd name="connsiteX1" fmla="*/ 4710288 w 4710288"/>
+              <a:gd name="connsiteY1" fmla="*/ 5496 h 2091264"/>
+              <a:gd name="connsiteX2" fmla="*/ 4703997 w 4710288"/>
+              <a:gd name="connsiteY2" fmla="*/ 2091264 h 2091264"/>
+              <a:gd name="connsiteX3" fmla="*/ 0 w 4710288"/>
+              <a:gd name="connsiteY3" fmla="*/ 2091264 h 2091264"/>
+              <a:gd name="connsiteX4" fmla="*/ 0 w 4710288"/>
+              <a:gd name="connsiteY4" fmla="*/ 1693 h 2091264"/>
+              <a:gd name="connsiteX5" fmla="*/ 728813 w 4710288"/>
+              <a:gd name="connsiteY5" fmla="*/ 0 h 2091264"/>
+              <a:gd name="connsiteX0" fmla="*/ 3078010 w 4710288"/>
+              <a:gd name="connsiteY0" fmla="*/ 8836 h 2091264"/>
+              <a:gd name="connsiteX1" fmla="*/ 4710288 w 4710288"/>
+              <a:gd name="connsiteY1" fmla="*/ 5496 h 2091264"/>
+              <a:gd name="connsiteX2" fmla="*/ 4703997 w 4710288"/>
+              <a:gd name="connsiteY2" fmla="*/ 2091264 h 2091264"/>
+              <a:gd name="connsiteX3" fmla="*/ 0 w 4710288"/>
+              <a:gd name="connsiteY3" fmla="*/ 2091264 h 2091264"/>
+              <a:gd name="connsiteX4" fmla="*/ 0 w 4710288"/>
+              <a:gd name="connsiteY4" fmla="*/ 1693 h 2091264"/>
+              <a:gd name="connsiteX5" fmla="*/ 728813 w 4710288"/>
+              <a:gd name="connsiteY5" fmla="*/ 0 h 2091264"/>
+              <a:gd name="connsiteX0" fmla="*/ 3078010 w 4710288"/>
+              <a:gd name="connsiteY0" fmla="*/ 7142 h 2089570"/>
+              <a:gd name="connsiteX1" fmla="*/ 4710288 w 4710288"/>
+              <a:gd name="connsiteY1" fmla="*/ 3802 h 2089570"/>
+              <a:gd name="connsiteX2" fmla="*/ 4703997 w 4710288"/>
+              <a:gd name="connsiteY2" fmla="*/ 2089570 h 2089570"/>
+              <a:gd name="connsiteX3" fmla="*/ 0 w 4710288"/>
+              <a:gd name="connsiteY3" fmla="*/ 2089570 h 2089570"/>
+              <a:gd name="connsiteX4" fmla="*/ 0 w 4710288"/>
+              <a:gd name="connsiteY4" fmla="*/ -1 h 2089570"/>
+              <a:gd name="connsiteX5" fmla="*/ 1383600 w 4710288"/>
+              <a:gd name="connsiteY5" fmla="*/ 8367 h 2089570"/>
+              <a:gd name="connsiteX0" fmla="*/ 3357100 w 4710288"/>
+              <a:gd name="connsiteY0" fmla="*/ 7144 h 2089572"/>
+              <a:gd name="connsiteX1" fmla="*/ 4710288 w 4710288"/>
+              <a:gd name="connsiteY1" fmla="*/ 3804 h 2089572"/>
+              <a:gd name="connsiteX2" fmla="*/ 4703997 w 4710288"/>
+              <a:gd name="connsiteY2" fmla="*/ 2089572 h 2089572"/>
+              <a:gd name="connsiteX3" fmla="*/ 0 w 4710288"/>
+              <a:gd name="connsiteY3" fmla="*/ 2089572 h 2089572"/>
+              <a:gd name="connsiteX4" fmla="*/ 0 w 4710288"/>
+              <a:gd name="connsiteY4" fmla="*/ 1 h 2089572"/>
+              <a:gd name="connsiteX5" fmla="*/ 1383600 w 4710288"/>
+              <a:gd name="connsiteY5" fmla="*/ 8369 h 2089572"/>
+              <a:gd name="connsiteX0" fmla="*/ 3357100 w 4710288"/>
+              <a:gd name="connsiteY0" fmla="*/ 7142 h 2089570"/>
+              <a:gd name="connsiteX1" fmla="*/ 4710288 w 4710288"/>
+              <a:gd name="connsiteY1" fmla="*/ 3802 h 2089570"/>
+              <a:gd name="connsiteX2" fmla="*/ 4703997 w 4710288"/>
+              <a:gd name="connsiteY2" fmla="*/ 2089570 h 2089570"/>
+              <a:gd name="connsiteX3" fmla="*/ 0 w 4710288"/>
+              <a:gd name="connsiteY3" fmla="*/ 2089570 h 2089570"/>
+              <a:gd name="connsiteX4" fmla="*/ 0 w 4710288"/>
+              <a:gd name="connsiteY4" fmla="*/ -1 h 2089570"/>
+              <a:gd name="connsiteX5" fmla="*/ 1104511 w 4710288"/>
+              <a:gd name="connsiteY5" fmla="*/ 21782 h 2089570"/>
+              <a:gd name="connsiteX0" fmla="*/ 3357100 w 4710288"/>
+              <a:gd name="connsiteY0" fmla="*/ 7144 h 2089572"/>
+              <a:gd name="connsiteX1" fmla="*/ 4710288 w 4710288"/>
+              <a:gd name="connsiteY1" fmla="*/ 3804 h 2089572"/>
+              <a:gd name="connsiteX2" fmla="*/ 4703997 w 4710288"/>
+              <a:gd name="connsiteY2" fmla="*/ 2089572 h 2089572"/>
+              <a:gd name="connsiteX3" fmla="*/ 0 w 4710288"/>
+              <a:gd name="connsiteY3" fmla="*/ 2089572 h 2089572"/>
+              <a:gd name="connsiteX4" fmla="*/ 0 w 4710288"/>
+              <a:gd name="connsiteY4" fmla="*/ 1 h 2089572"/>
+              <a:gd name="connsiteX5" fmla="*/ 1176072 w 4710288"/>
+              <a:gd name="connsiteY5" fmla="*/ 21784 h 2089572"/>
+              <a:gd name="connsiteX0" fmla="*/ 3407193 w 4710288"/>
+              <a:gd name="connsiteY0" fmla="*/ 0 h 2095841"/>
+              <a:gd name="connsiteX1" fmla="*/ 4710288 w 4710288"/>
+              <a:gd name="connsiteY1" fmla="*/ 10073 h 2095841"/>
+              <a:gd name="connsiteX2" fmla="*/ 4703997 w 4710288"/>
+              <a:gd name="connsiteY2" fmla="*/ 2095841 h 2095841"/>
+              <a:gd name="connsiteX3" fmla="*/ 0 w 4710288"/>
+              <a:gd name="connsiteY3" fmla="*/ 2095841 h 2095841"/>
+              <a:gd name="connsiteX4" fmla="*/ 0 w 4710288"/>
+              <a:gd name="connsiteY4" fmla="*/ 6270 h 2095841"/>
+              <a:gd name="connsiteX5" fmla="*/ 1176072 w 4710288"/>
+              <a:gd name="connsiteY5" fmla="*/ 28053 h 2095841"/>
+              <a:gd name="connsiteX0" fmla="*/ 2821175 w 4710288"/>
+              <a:gd name="connsiteY0" fmla="*/ 0 h 2095841"/>
+              <a:gd name="connsiteX1" fmla="*/ 4710288 w 4710288"/>
+              <a:gd name="connsiteY1" fmla="*/ 10073 h 2095841"/>
+              <a:gd name="connsiteX2" fmla="*/ 4703997 w 4710288"/>
+              <a:gd name="connsiteY2" fmla="*/ 2095841 h 2095841"/>
+              <a:gd name="connsiteX3" fmla="*/ 0 w 4710288"/>
+              <a:gd name="connsiteY3" fmla="*/ 2095841 h 2095841"/>
+              <a:gd name="connsiteX4" fmla="*/ 0 w 4710288"/>
+              <a:gd name="connsiteY4" fmla="*/ 6270 h 2095841"/>
+              <a:gd name="connsiteX5" fmla="*/ 1176072 w 4710288"/>
+              <a:gd name="connsiteY5" fmla="*/ 28053 h 2095841"/>
+              <a:gd name="connsiteX0" fmla="*/ 2821175 w 4710288"/>
+              <a:gd name="connsiteY0" fmla="*/ 0 h 2095841"/>
+              <a:gd name="connsiteX1" fmla="*/ 4710288 w 4710288"/>
+              <a:gd name="connsiteY1" fmla="*/ 10073 h 2095841"/>
+              <a:gd name="connsiteX2" fmla="*/ 4703997 w 4710288"/>
+              <a:gd name="connsiteY2" fmla="*/ 2095841 h 2095841"/>
+              <a:gd name="connsiteX3" fmla="*/ 0 w 4710288"/>
+              <a:gd name="connsiteY3" fmla="*/ 2095841 h 2095841"/>
+              <a:gd name="connsiteX4" fmla="*/ 0 w 4710288"/>
+              <a:gd name="connsiteY4" fmla="*/ 6270 h 2095841"/>
+              <a:gd name="connsiteX5" fmla="*/ 1880991 w 4710288"/>
+              <a:gd name="connsiteY5" fmla="*/ 48172 h 2095841"/>
+            </a:gdLst>
+            <a:ahLst/>
+            <a:cxnLst>
+              <a:cxn ang="0">
+                <a:pos x="connsiteX0" y="connsiteY0"/>
+              </a:cxn>
+              <a:cxn ang="0">
+                <a:pos x="connsiteX1" y="connsiteY1"/>
+              </a:cxn>
+              <a:cxn ang="0">
+                <a:pos x="connsiteX2" y="connsiteY2"/>
+              </a:cxn>
+              <a:cxn ang="0">
+                <a:pos x="connsiteX3" y="connsiteY3"/>
+              </a:cxn>
+              <a:cxn ang="0">
+                <a:pos x="connsiteX4" y="connsiteY4"/>
+              </a:cxn>
+              <a:cxn ang="0">
+                <a:pos x="connsiteX5" y="connsiteY5"/>
+              </a:cxn>
+            </a:cxnLst>
+            <a:rect l="l" t="t" r="r" b="b"/>
+            <a:pathLst>
+              <a:path w="4710288" h="2095841">
+                <a:moveTo>
+                  <a:pt x="2821175" y="0"/>
+                </a:moveTo>
+                <a:lnTo>
+                  <a:pt x="4710288" y="10073"/>
+                </a:lnTo>
+                <a:lnTo>
+                  <a:pt x="4703997" y="2095841"/>
+                </a:lnTo>
+                <a:lnTo>
+                  <a:pt x="0" y="2095841"/>
+                </a:lnTo>
+                <a:lnTo>
+                  <a:pt x="0" y="6270"/>
+                </a:lnTo>
+                <a:lnTo>
+                  <a:pt x="1880991" y="48172"/>
+                </a:lnTo>
+              </a:path>
+            </a:pathLst>
+          </a:custGeom>
+          <a:noFill/>
+          <a:ln w="38100" cap="flat" cmpd="sng" algn="ctr">
+            <a:solidFill>
+              <a:schemeClr val="dk1"/>
+            </a:solidFill>
+            <a:prstDash val="solid"/>
+            <a:round/>
+            <a:headEnd type="none" w="med" len="med"/>
+            <a:tailEnd type="none" w="med" len="med"/>
+          </a:ln>
+        </p:spPr>
+        <p:style>
+          <a:lnRef idx="0">
+            <a:scrgbClr r="0" g="0" b="0"/>
+          </a:lnRef>
+          <a:fillRef idx="0">
+            <a:scrgbClr r="0" g="0" b="0"/>
+          </a:fillRef>
+          <a:effectRef idx="0">
+            <a:scrgbClr r="0" g="0" b="0"/>
+          </a:effectRef>
+          <a:fontRef idx="minor">
+            <a:schemeClr val="dk1"/>
+          </a:fontRef>
+        </p:style>
+        <p:txBody>
+          <a:bodyPr rtlCol="0" anchor="ctr"/>
+          <a:lstStyle/>
+          <a:p>
+            <a:pPr algn="ctr"/>
+            <a:endParaRPr kumimoji="1" lang="ja-JP" altLang="en-US" dirty="0"/>
+          </a:p>
+        </p:txBody>
+      </p:sp>
+      <p:pic>
+        <p:nvPicPr>
+          <p:cNvPr id="43" name="図 42">
+            <a:extLst>
+              <a:ext uri="{FF2B5EF4-FFF2-40B4-BE49-F238E27FC236}">
+                <a16:creationId xmlns:a16="http://schemas.microsoft.com/office/drawing/2014/main" id="{6F076BE3-0575-40E6-A880-CB38A9FA75E2}"/>
+              </a:ext>
+            </a:extLst>
+          </p:cNvPr>
+          <p:cNvPicPr>
+            <a:picLocks noChangeAspect="1"/>
+          </p:cNvPicPr>
+          <p:nvPr/>
+        </p:nvPicPr>
+        <p:blipFill>
+          <a:blip r:embed="rId12">
+            <a:extLst>
+              <a:ext uri="{28A0092B-C50C-407E-A947-70E740481C1C}">
+                <a14:useLocalDpi xmlns:a14="http://schemas.microsoft.com/office/drawing/2010/main" val="0"/>
+              </a:ext>
+            </a:extLst>
+          </a:blip>
+          <a:stretch>
+            <a:fillRect/>
+          </a:stretch>
+        </p:blipFill>
+        <p:spPr>
+          <a:xfrm>
+            <a:off x="6575726" y="5974426"/>
+            <a:ext cx="1740465" cy="396590"/>
+          </a:xfrm>
+          <a:prstGeom prst="rect">
+            <a:avLst/>
+          </a:prstGeom>
+        </p:spPr>
+      </p:pic>
+      <p:pic>
+        <p:nvPicPr>
+          <p:cNvPr id="49" name="図 48">
+            <a:extLst>
+              <a:ext uri="{FF2B5EF4-FFF2-40B4-BE49-F238E27FC236}">
+                <a16:creationId xmlns:a16="http://schemas.microsoft.com/office/drawing/2014/main" id="{ADA33E7A-4A9D-4BD5-B0F1-A401D74DAE80}"/>
+              </a:ext>
+            </a:extLst>
+          </p:cNvPr>
+          <p:cNvPicPr>
+            <a:picLocks noChangeAspect="1"/>
+          </p:cNvPicPr>
+          <p:nvPr/>
+        </p:nvPicPr>
+        <p:blipFill>
+          <a:blip r:embed="rId13">
+            <a:extLst>
+              <a:ext uri="{28A0092B-C50C-407E-A947-70E740481C1C}">
+                <a14:useLocalDpi xmlns:a14="http://schemas.microsoft.com/office/drawing/2010/main" val="0"/>
+              </a:ext>
+            </a:extLst>
+          </a:blip>
+          <a:stretch>
+            <a:fillRect/>
+          </a:stretch>
+        </p:blipFill>
+        <p:spPr>
+          <a:xfrm>
+            <a:off x="7027706" y="6025467"/>
+            <a:ext cx="1125636" cy="293526"/>
+          </a:xfrm>
+          <a:prstGeom prst="rect">
+            <a:avLst/>
+          </a:prstGeom>
+        </p:spPr>
+      </p:pic>
+      <p:pic>
+        <p:nvPicPr>
+          <p:cNvPr id="45" name="図 44">
+            <a:extLst>
+              <a:ext uri="{FF2B5EF4-FFF2-40B4-BE49-F238E27FC236}">
+                <a16:creationId xmlns:a16="http://schemas.microsoft.com/office/drawing/2014/main" id="{B47B1F93-7959-484A-8C8D-985B6FE4B409}"/>
+              </a:ext>
+            </a:extLst>
+          </p:cNvPr>
+          <p:cNvPicPr>
+            <a:picLocks noChangeAspect="1"/>
+          </p:cNvPicPr>
+          <p:nvPr/>
+        </p:nvPicPr>
+        <p:blipFill>
+          <a:blip r:embed="rId14">
+            <a:extLst>
+              <a:ext uri="{28A0092B-C50C-407E-A947-70E740481C1C}">
+                <a14:useLocalDpi xmlns:a14="http://schemas.microsoft.com/office/drawing/2010/main" val="0"/>
+              </a:ext>
+            </a:extLst>
+          </a:blip>
+          <a:stretch>
+            <a:fillRect/>
+          </a:stretch>
+        </p:blipFill>
+        <p:spPr>
+          <a:xfrm>
+            <a:off x="6570363" y="5975509"/>
+            <a:ext cx="1709424" cy="441711"/>
+          </a:xfrm>
+          <a:prstGeom prst="rect">
+            <a:avLst/>
+          </a:prstGeom>
+        </p:spPr>
+      </p:pic>
+      <p:pic>
+        <p:nvPicPr>
+          <p:cNvPr id="51" name="図 50">
+            <a:extLst>
+              <a:ext uri="{FF2B5EF4-FFF2-40B4-BE49-F238E27FC236}">
+                <a16:creationId xmlns:a16="http://schemas.microsoft.com/office/drawing/2014/main" id="{559C4F06-5B24-458B-AB5C-61EF6F91682D}"/>
+              </a:ext>
+            </a:extLst>
+          </p:cNvPr>
+          <p:cNvPicPr>
+            <a:picLocks noChangeAspect="1"/>
+          </p:cNvPicPr>
+          <p:nvPr/>
+        </p:nvPicPr>
+        <p:blipFill>
+          <a:blip r:embed="rId15">
+            <a:extLst>
+              <a:ext uri="{28A0092B-C50C-407E-A947-70E740481C1C}">
+                <a14:useLocalDpi xmlns:a14="http://schemas.microsoft.com/office/drawing/2010/main" val="0"/>
+              </a:ext>
+            </a:extLst>
+          </a:blip>
+          <a:stretch>
+            <a:fillRect/>
+          </a:stretch>
+        </p:blipFill>
+        <p:spPr>
+          <a:xfrm>
+            <a:off x="8726064" y="6205710"/>
+            <a:ext cx="769739" cy="267996"/>
+          </a:xfrm>
+          <a:prstGeom prst="rect">
+            <a:avLst/>
+          </a:prstGeom>
+        </p:spPr>
+      </p:pic>
+      <p:cxnSp>
+        <p:nvCxnSpPr>
+          <p:cNvPr id="121" name="直線コネクタ 120">
+            <a:extLst>
+              <a:ext uri="{FF2B5EF4-FFF2-40B4-BE49-F238E27FC236}">
+                <a16:creationId xmlns:a16="http://schemas.microsoft.com/office/drawing/2014/main" id="{04F93EFD-6FED-4F52-8A87-340AD4C35491}"/>
+              </a:ext>
+            </a:extLst>
+          </p:cNvPr>
+          <p:cNvCxnSpPr>
+            <a:cxnSpLocks/>
+          </p:cNvCxnSpPr>
+          <p:nvPr/>
+        </p:nvCxnSpPr>
+        <p:spPr>
+          <a:xfrm flipH="1">
+            <a:off x="8493991" y="6133073"/>
+            <a:ext cx="1178790" cy="0"/>
+          </a:xfrm>
+          <a:prstGeom prst="line">
+            <a:avLst/>
+          </a:prstGeom>
+        </p:spPr>
+        <p:style>
+          <a:lnRef idx="3">
+            <a:schemeClr val="dk1"/>
+          </a:lnRef>
+          <a:fillRef idx="0">
+            <a:schemeClr val="dk1"/>
+          </a:fillRef>
+          <a:effectRef idx="2">
+            <a:schemeClr val="dk1"/>
+          </a:effectRef>
+          <a:fontRef idx="minor">
+            <a:schemeClr val="tx1"/>
+          </a:fontRef>
+        </p:style>
+      </p:cxnSp>
+      <p:sp>
+        <p:nvSpPr>
+          <p:cNvPr id="122" name="テキスト ボックス 121">
+            <a:extLst>
+              <a:ext uri="{FF2B5EF4-FFF2-40B4-BE49-F238E27FC236}">
+                <a16:creationId xmlns:a16="http://schemas.microsoft.com/office/drawing/2014/main" id="{986291C0-E602-4602-A4D0-84AB39CF66BF}"/>
+              </a:ext>
+            </a:extLst>
+          </p:cNvPr>
+          <p:cNvSpPr txBox="1"/>
+          <p:nvPr/>
+        </p:nvSpPr>
+        <p:spPr>
+          <a:xfrm>
+            <a:off x="8360883" y="5830907"/>
+            <a:ext cx="1438214" cy="307777"/>
+          </a:xfrm>
+          <a:prstGeom prst="rect">
+            <a:avLst/>
+          </a:prstGeom>
+          <a:noFill/>
+        </p:spPr>
+        <p:txBody>
+          <a:bodyPr wrap="none" rtlCol="0">
+            <a:spAutoFit/>
+          </a:bodyPr>
+          <a:lstStyle/>
+          <a:p>
+            <a:r>
+              <a:rPr kumimoji="1" lang="ja-JP" altLang="en-US" sz="1400" dirty="0">
+                <a:latin typeface="HGP創英角ｺﾞｼｯｸUB" panose="020B0900000000000000" pitchFamily="50" charset="-128"/>
+                <a:ea typeface="HGP創英角ｺﾞｼｯｸUB" panose="020B0900000000000000" pitchFamily="50" charset="-128"/>
+              </a:rPr>
+              <a:t>カウンターの構え</a:t>
+            </a:r>
+          </a:p>
+        </p:txBody>
+      </p:sp>
+      <p:pic>
+        <p:nvPicPr>
+          <p:cNvPr id="124" name="図 123">
+            <a:extLst>
+              <a:ext uri="{FF2B5EF4-FFF2-40B4-BE49-F238E27FC236}">
+                <a16:creationId xmlns:a16="http://schemas.microsoft.com/office/drawing/2014/main" id="{1C1EFD3A-3B5F-439F-B27B-7FA2B95A2AAA}"/>
+              </a:ext>
+            </a:extLst>
+          </p:cNvPr>
+          <p:cNvPicPr>
+            <a:picLocks noChangeAspect="1"/>
+          </p:cNvPicPr>
+          <p:nvPr/>
+        </p:nvPicPr>
+        <p:blipFill>
+          <a:blip r:embed="rId10">
+            <a:extLst>
+              <a:ext uri="{28A0092B-C50C-407E-A947-70E740481C1C}">
+                <a14:useLocalDpi xmlns:a14="http://schemas.microsoft.com/office/drawing/2010/main" val="0"/>
+              </a:ext>
+            </a:extLst>
+          </a:blip>
+          <a:stretch>
+            <a:fillRect/>
+          </a:stretch>
+        </p:blipFill>
+        <p:spPr>
+          <a:xfrm rot="4052267">
+            <a:off x="9856034" y="5812266"/>
+            <a:ext cx="215526" cy="189868"/>
+          </a:xfrm>
+          <a:prstGeom prst="rect">
+            <a:avLst/>
+          </a:prstGeom>
+        </p:spPr>
+      </p:pic>
+      <p:sp>
+        <p:nvSpPr>
+          <p:cNvPr id="125" name="テキスト ボックス 124">
+            <a:extLst>
+              <a:ext uri="{FF2B5EF4-FFF2-40B4-BE49-F238E27FC236}">
+                <a16:creationId xmlns:a16="http://schemas.microsoft.com/office/drawing/2014/main" id="{A55E85DB-EBE8-4779-BD40-AFF8E9EB6205}"/>
+              </a:ext>
+            </a:extLst>
+          </p:cNvPr>
+          <p:cNvSpPr txBox="1"/>
+          <p:nvPr/>
+        </p:nvSpPr>
+        <p:spPr>
+          <a:xfrm>
+            <a:off x="10165916" y="5657453"/>
+            <a:ext cx="1657826" cy="461665"/>
+          </a:xfrm>
+          <a:prstGeom prst="rect">
+            <a:avLst/>
+          </a:prstGeom>
+          <a:noFill/>
+        </p:spPr>
+        <p:txBody>
+          <a:bodyPr wrap="none" rtlCol="0">
+            <a:spAutoFit/>
+          </a:bodyPr>
+          <a:lstStyle/>
+          <a:p>
+            <a:pPr algn="ctr"/>
+            <a:r>
+              <a:rPr kumimoji="1" lang="ja-JP" altLang="en-US" sz="1200" dirty="0">
+                <a:latin typeface="HGP創英角ｺﾞｼｯｸUB" panose="020B0900000000000000" pitchFamily="50" charset="-128"/>
+                <a:ea typeface="HGP創英角ｺﾞｼｯｸUB" panose="020B0900000000000000" pitchFamily="50" charset="-128"/>
+              </a:rPr>
+              <a:t>攻撃を食らうと成功！</a:t>
+            </a:r>
+            <a:endParaRPr kumimoji="1" lang="en-US" altLang="ja-JP" sz="1200" dirty="0">
+              <a:latin typeface="HGP創英角ｺﾞｼｯｸUB" panose="020B0900000000000000" pitchFamily="50" charset="-128"/>
+              <a:ea typeface="HGP創英角ｺﾞｼｯｸUB" panose="020B0900000000000000" pitchFamily="50" charset="-128"/>
+            </a:endParaRPr>
+          </a:p>
+          <a:p>
+            <a:pPr algn="ctr"/>
+            <a:r>
+              <a:rPr lang="ja-JP" altLang="en-US" sz="1200" dirty="0">
+                <a:latin typeface="HGP創英角ｺﾞｼｯｸUB" panose="020B0900000000000000" pitchFamily="50" charset="-128"/>
+                <a:ea typeface="HGP創英角ｺﾞｼｯｸUB" panose="020B0900000000000000" pitchFamily="50" charset="-128"/>
+              </a:rPr>
+              <a:t>大ダメージを与えられる</a:t>
+            </a:r>
+            <a:endParaRPr kumimoji="1" lang="ja-JP" altLang="en-US" sz="1200" dirty="0">
+              <a:latin typeface="HGP創英角ｺﾞｼｯｸUB" panose="020B0900000000000000" pitchFamily="50" charset="-128"/>
+              <a:ea typeface="HGP創英角ｺﾞｼｯｸUB" panose="020B0900000000000000" pitchFamily="50" charset="-128"/>
+            </a:endParaRPr>
+          </a:p>
+        </p:txBody>
+      </p:sp>
+      <p:pic>
+        <p:nvPicPr>
+          <p:cNvPr id="126" name="図 125">
+            <a:extLst>
+              <a:ext uri="{FF2B5EF4-FFF2-40B4-BE49-F238E27FC236}">
+                <a16:creationId xmlns:a16="http://schemas.microsoft.com/office/drawing/2014/main" id="{5301CDE3-8F14-4FA0-A638-E0E30FBDC423}"/>
+              </a:ext>
+            </a:extLst>
+          </p:cNvPr>
+          <p:cNvPicPr>
+            <a:picLocks noChangeAspect="1"/>
+          </p:cNvPicPr>
+          <p:nvPr/>
+        </p:nvPicPr>
+        <p:blipFill>
+          <a:blip r:embed="rId10">
+            <a:extLst>
+              <a:ext uri="{28A0092B-C50C-407E-A947-70E740481C1C}">
+                <a14:useLocalDpi xmlns:a14="http://schemas.microsoft.com/office/drawing/2010/main" val="0"/>
+              </a:ext>
+            </a:extLst>
+          </a:blip>
+          <a:stretch>
+            <a:fillRect/>
+          </a:stretch>
+        </p:blipFill>
+        <p:spPr>
+          <a:xfrm rot="6901285">
+            <a:off x="9862098" y="6180426"/>
+            <a:ext cx="215526" cy="189868"/>
+          </a:xfrm>
+          <a:prstGeom prst="rect">
+            <a:avLst/>
+          </a:prstGeom>
+        </p:spPr>
+      </p:pic>
+      <p:cxnSp>
+        <p:nvCxnSpPr>
+          <p:cNvPr id="127" name="直線コネクタ 126">
+            <a:extLst>
+              <a:ext uri="{FF2B5EF4-FFF2-40B4-BE49-F238E27FC236}">
+                <a16:creationId xmlns:a16="http://schemas.microsoft.com/office/drawing/2014/main" id="{FAB1A60C-F54F-4707-85D6-F0CCFE1F8FFD}"/>
+              </a:ext>
+            </a:extLst>
+          </p:cNvPr>
+          <p:cNvCxnSpPr>
+            <a:cxnSpLocks/>
+          </p:cNvCxnSpPr>
+          <p:nvPr/>
+        </p:nvCxnSpPr>
+        <p:spPr>
+          <a:xfrm flipH="1">
+            <a:off x="10087213" y="6126723"/>
+            <a:ext cx="1768237" cy="0"/>
+          </a:xfrm>
+          <a:prstGeom prst="line">
+            <a:avLst/>
+          </a:prstGeom>
+        </p:spPr>
+        <p:style>
+          <a:lnRef idx="3">
+            <a:schemeClr val="dk1"/>
+          </a:lnRef>
+          <a:fillRef idx="0">
+            <a:schemeClr val="dk1"/>
+          </a:fillRef>
+          <a:effectRef idx="2">
+            <a:schemeClr val="dk1"/>
+          </a:effectRef>
+          <a:fontRef idx="minor">
+            <a:schemeClr val="tx1"/>
+          </a:fontRef>
+        </p:style>
+      </p:cxnSp>
+      <p:sp>
+        <p:nvSpPr>
+          <p:cNvPr id="129" name="テキスト ボックス 128">
+            <a:extLst>
+              <a:ext uri="{FF2B5EF4-FFF2-40B4-BE49-F238E27FC236}">
+                <a16:creationId xmlns:a16="http://schemas.microsoft.com/office/drawing/2014/main" id="{1B59F64A-08F9-4CA1-9282-CA5AEAF2FB34}"/>
+              </a:ext>
+            </a:extLst>
+          </p:cNvPr>
+          <p:cNvSpPr txBox="1"/>
+          <p:nvPr/>
+        </p:nvSpPr>
+        <p:spPr>
+          <a:xfrm>
+            <a:off x="10273648" y="6108875"/>
+            <a:ext cx="1447832" cy="461665"/>
+          </a:xfrm>
+          <a:prstGeom prst="rect">
+            <a:avLst/>
+          </a:prstGeom>
+          <a:noFill/>
+        </p:spPr>
+        <p:txBody>
+          <a:bodyPr wrap="none" rtlCol="0">
+            <a:spAutoFit/>
+          </a:bodyPr>
+          <a:lstStyle/>
+          <a:p>
+            <a:pPr algn="ctr"/>
+            <a:r>
+              <a:rPr kumimoji="1" lang="ja-JP" altLang="en-US" sz="1200" dirty="0">
+                <a:latin typeface="HGP創英角ｺﾞｼｯｸUB" panose="020B0900000000000000" pitchFamily="50" charset="-128"/>
+                <a:ea typeface="HGP創英角ｺﾞｼｯｸUB" panose="020B0900000000000000" pitchFamily="50" charset="-128"/>
+              </a:rPr>
+              <a:t>攻撃を食らわないと</a:t>
+            </a:r>
+            <a:endParaRPr kumimoji="1" lang="en-US" altLang="ja-JP" sz="1200" dirty="0">
+              <a:latin typeface="HGP創英角ｺﾞｼｯｸUB" panose="020B0900000000000000" pitchFamily="50" charset="-128"/>
+              <a:ea typeface="HGP創英角ｺﾞｼｯｸUB" panose="020B0900000000000000" pitchFamily="50" charset="-128"/>
+            </a:endParaRPr>
+          </a:p>
+          <a:p>
+            <a:pPr algn="ctr"/>
+            <a:r>
+              <a:rPr lang="ja-JP" altLang="en-US" sz="1200" dirty="0">
+                <a:latin typeface="HGP創英角ｺﾞｼｯｸUB" panose="020B0900000000000000" pitchFamily="50" charset="-128"/>
+                <a:ea typeface="HGP創英角ｺﾞｼｯｸUB" panose="020B0900000000000000" pitchFamily="50" charset="-128"/>
+              </a:rPr>
+              <a:t>大きな隙が生まれる</a:t>
+            </a:r>
+            <a:endParaRPr kumimoji="1" lang="ja-JP" altLang="en-US" sz="1200" dirty="0">
+              <a:latin typeface="HGP創英角ｺﾞｼｯｸUB" panose="020B0900000000000000" pitchFamily="50" charset="-128"/>
+              <a:ea typeface="HGP創英角ｺﾞｼｯｸUB" panose="020B0900000000000000" pitchFamily="50" charset="-128"/>
+            </a:endParaRPr>
           </a:p>
         </p:txBody>
       </p:sp>
